--- a/Presentation.pptx
+++ b/Presentation.pptx
@@ -23546,17 +23546,6 @@
               </a:lnSpc>
             </a:pPr>
             <a:r>
-              <a:rPr lang="en-US" sz="1600" dirty="0"/>
-              <a:t>Code</a:t>
-            </a:r>
-          </a:p>
-          <a:p>
-            <a:pPr>
-              <a:lnSpc>
-                <a:spcPct val="150000"/>
-              </a:lnSpc>
-            </a:pPr>
-            <a:r>
               <a:rPr lang="en-US" sz="1600" dirty="0">
                 <a:hlinkClick r:id="rId3">
                   <a:extLst>
@@ -23566,7 +23555,7 @@
                   </a:extLst>
                 </a:hlinkClick>
               </a:rPr>
-              <a:t>Standard Scaler</a:t>
+              <a:t>Code</a:t>
             </a:r>
             <a:endParaRPr lang="en-US" sz="1600" dirty="0"/>
           </a:p>
@@ -23586,7 +23575,7 @@
                   </a:extLst>
                 </a:hlinkClick>
               </a:rPr>
-              <a:t>Logistic Regression</a:t>
+              <a:t>Standard Scaler</a:t>
             </a:r>
             <a:endParaRPr lang="en-US" sz="1600" dirty="0"/>
           </a:p>
@@ -23606,7 +23595,7 @@
                   </a:extLst>
                 </a:hlinkClick>
               </a:rPr>
-              <a:t>Support Vector Classifier</a:t>
+              <a:t>Logistic Regression</a:t>
             </a:r>
             <a:endParaRPr lang="en-US" sz="1600" dirty="0"/>
           </a:p>
@@ -23626,7 +23615,7 @@
                   </a:extLst>
                 </a:hlinkClick>
               </a:rPr>
-              <a:t>Random Forest</a:t>
+              <a:t>Support Vector Classifier</a:t>
             </a:r>
             <a:endParaRPr lang="en-US" sz="1600" dirty="0"/>
           </a:p>
@@ -23637,8 +23626,28 @@
               </a:lnSpc>
             </a:pPr>
             <a:r>
+              <a:rPr lang="en-US" sz="1600" dirty="0">
+                <a:hlinkClick r:id="rId7">
+                  <a:extLst>
+                    <a:ext uri="{A12FA001-AC4F-418D-AE19-62706E023703}">
+                      <ahyp:hlinkClr xmlns:ahyp="http://schemas.microsoft.com/office/drawing/2018/hyperlinkcolor" val="tx"/>
+                    </a:ext>
+                  </a:extLst>
+                </a:hlinkClick>
+              </a:rPr>
+              <a:t>Random Forest</a:t>
+            </a:r>
+            <a:endParaRPr lang="en-US" sz="1600" dirty="0"/>
+          </a:p>
+          <a:p>
+            <a:pPr>
+              <a:lnSpc>
+                <a:spcPct val="150000"/>
+              </a:lnSpc>
+            </a:pPr>
+            <a:r>
               <a:rPr lang="en-US" sz="1600" dirty="0" err="1">
-                <a:hlinkClick r:id="rId7">
+                <a:hlinkClick r:id="rId8">
                   <a:extLst>
                     <a:ext uri="{A12FA001-AC4F-418D-AE19-62706E023703}">
                       <ahyp:hlinkClr xmlns:ahyp="http://schemas.microsoft.com/office/drawing/2018/hyperlinkcolor" val="tx"/>
@@ -27421,6 +27430,15 @@
 </file>
 
 <file path=customXml/item1.xml><?xml version="1.0" encoding="utf-8"?>
+<?mso-contentType ?>
+<FormTemplates xmlns="http://schemas.microsoft.com/sharepoint/v3/contenttype/forms">
+  <Display>DocumentLibraryForm</Display>
+  <Edit>DocumentLibraryForm</Edit>
+  <New>DocumentLibraryForm</New>
+</FormTemplates>
+</file>
+
+<file path=customXml/item2.xml><?xml version="1.0" encoding="utf-8"?>
 <ct:contentTypeSchema xmlns:ct="http://schemas.microsoft.com/office/2006/metadata/contentType" xmlns:ma="http://schemas.microsoft.com/office/2006/metadata/properties/metaAttributes" ct:_="" ma:_="" ma:contentTypeName="Document" ma:contentTypeID="0x01010079F111ED35F8CC479449609E8A0923A6" ma:contentTypeVersion="28" ma:contentTypeDescription="Create a new document." ma:contentTypeScope="" ma:versionID="60f5a4f2d2b0abadcf532d48ebf9cb71">
   <xsd:schema xmlns:xsd="http://www.w3.org/2001/XMLSchema" xmlns:xs="http://www.w3.org/2001/XMLSchema" xmlns:p="http://schemas.microsoft.com/office/2006/metadata/properties" xmlns:ns1="http://schemas.microsoft.com/sharepoint/v3" xmlns:ns2="71af3243-3dd4-4a8d-8c0d-dd76da1f02a5" xmlns:ns3="16c05727-aa75-4e4a-9b5f-8a80a1165891" xmlns:ns4="230e9df3-be65-4c73-a93b-d1236ebd677e" targetNamespace="http://schemas.microsoft.com/office/2006/metadata/properties" ma:root="true" ma:fieldsID="7dd78129e6a1811f84807ad11c651531" ns1:_="" ns2:_="" ns3:_="" ns4:_="">
     <xsd:import namespace="http://schemas.microsoft.com/sharepoint/v3"/>
@@ -27732,15 +27750,6 @@
 </ct:contentTypeSchema>
 </file>
 
-<file path=customXml/item2.xml><?xml version="1.0" encoding="utf-8"?>
-<?mso-contentType ?>
-<FormTemplates xmlns="http://schemas.microsoft.com/sharepoint/v3/contenttype/forms">
-  <Display>DocumentLibraryForm</Display>
-  <Edit>DocumentLibraryForm</Edit>
-  <New>DocumentLibraryForm</New>
-</FormTemplates>
-</file>
-
 <file path=customXml/item3.xml><?xml version="1.0" encoding="utf-8"?>
 <p:properties xmlns:p="http://schemas.microsoft.com/office/2006/metadata/properties" xmlns:xsi="http://www.w3.org/2001/XMLSchema-instance" xmlns:pc="http://schemas.microsoft.com/office/infopath/2007/PartnerControls">
   <documentManagement>
@@ -27762,6 +27771,14 @@
 </file>
 
 <file path=customXml/itemProps1.xml><?xml version="1.0" encoding="utf-8"?>
+<ds:datastoreItem xmlns:ds="http://schemas.openxmlformats.org/officeDocument/2006/customXml" ds:itemID="{B7B39BD0-040C-43BE-B0E4-512B09E8003F}">
+  <ds:schemaRefs>
+    <ds:schemaRef ds:uri="http://schemas.microsoft.com/sharepoint/v3/contenttype/forms"/>
+  </ds:schemaRefs>
+</ds:datastoreItem>
+</file>
+
+<file path=customXml/itemProps2.xml><?xml version="1.0" encoding="utf-8"?>
 <ds:datastoreItem xmlns:ds="http://schemas.openxmlformats.org/officeDocument/2006/customXml" ds:itemID="{622457D9-12AC-4794-A05E-F1B90FCD8DA7}">
   <ds:schemaRefs>
     <ds:schemaRef ds:uri="http://schemas.microsoft.com/office/2006/metadata/contentType"/>
@@ -27782,14 +27799,6 @@
 </ds:datastoreItem>
 </file>
 
-<file path=customXml/itemProps2.xml><?xml version="1.0" encoding="utf-8"?>
-<ds:datastoreItem xmlns:ds="http://schemas.openxmlformats.org/officeDocument/2006/customXml" ds:itemID="{B7B39BD0-040C-43BE-B0E4-512B09E8003F}">
-  <ds:schemaRefs>
-    <ds:schemaRef ds:uri="http://schemas.microsoft.com/sharepoint/v3/contenttype/forms"/>
-  </ds:schemaRefs>
-</ds:datastoreItem>
-</file>
-
 <file path=customXml/itemProps3.xml><?xml version="1.0" encoding="utf-8"?>
 <ds:datastoreItem xmlns:ds="http://schemas.openxmlformats.org/officeDocument/2006/customXml" ds:itemID="{AB045227-5724-4DBF-9712-031B1BFB2C3C}">
   <ds:schemaRefs>

--- a/Presentation.pptx
+++ b/Presentation.pptx
@@ -22021,6 +22021,18 @@
   <p:clrMapOvr>
     <a:masterClrMapping/>
   </p:clrMapOvr>
+  <mc:AlternateContent xmlns:mc="http://schemas.openxmlformats.org/markup-compatibility/2006">
+    <mc:Choice xmlns:p14="http://schemas.microsoft.com/office/powerpoint/2010/main" Requires="p14">
+      <p:transition spd="med" p14:dur="700">
+        <p:fade/>
+      </p:transition>
+    </mc:Choice>
+    <mc:Fallback>
+      <p:transition spd="med">
+        <p:fade/>
+      </p:transition>
+    </mc:Fallback>
+  </mc:AlternateContent>
 </p:sld>
 </file>
 
@@ -22391,6 +22403,18 @@
   <p:clrMapOvr>
     <a:masterClrMapping/>
   </p:clrMapOvr>
+  <mc:AlternateContent xmlns:mc="http://schemas.openxmlformats.org/markup-compatibility/2006">
+    <mc:Choice xmlns:p14="http://schemas.microsoft.com/office/powerpoint/2010/main" Requires="p14">
+      <p:transition spd="med" p14:dur="700">
+        <p:fade/>
+      </p:transition>
+    </mc:Choice>
+    <mc:Fallback>
+      <p:transition spd="med">
+        <p:fade/>
+      </p:transition>
+    </mc:Fallback>
+  </mc:AlternateContent>
 </p:sld>
 </file>
 
@@ -22749,6 +22773,18 @@
   <p:clrMapOvr>
     <a:masterClrMapping/>
   </p:clrMapOvr>
+  <mc:AlternateContent xmlns:mc="http://schemas.openxmlformats.org/markup-compatibility/2006">
+    <mc:Choice xmlns:p14="http://schemas.microsoft.com/office/powerpoint/2010/main" Requires="p14">
+      <p:transition spd="med" p14:dur="700">
+        <p:fade/>
+      </p:transition>
+    </mc:Choice>
+    <mc:Fallback>
+      <p:transition spd="med">
+        <p:fade/>
+      </p:transition>
+    </mc:Fallback>
+  </mc:AlternateContent>
 </p:sld>
 </file>
 
@@ -23124,6 +23160,18 @@
   <p:clrMapOvr>
     <a:masterClrMapping/>
   </p:clrMapOvr>
+  <mc:AlternateContent xmlns:mc="http://schemas.openxmlformats.org/markup-compatibility/2006">
+    <mc:Choice xmlns:p14="http://schemas.microsoft.com/office/powerpoint/2010/main" Requires="p14">
+      <p:transition spd="med" p14:dur="700">
+        <p:fade/>
+      </p:transition>
+    </mc:Choice>
+    <mc:Fallback>
+      <p:transition spd="med">
+        <p:fade/>
+      </p:transition>
+    </mc:Fallback>
+  </mc:AlternateContent>
 </p:sld>
 </file>
 
@@ -23250,6 +23298,18 @@
   <p:clrMapOvr>
     <a:masterClrMapping/>
   </p:clrMapOvr>
+  <mc:AlternateContent xmlns:mc="http://schemas.openxmlformats.org/markup-compatibility/2006">
+    <mc:Choice xmlns:p14="http://schemas.microsoft.com/office/powerpoint/2010/main" Requires="p14">
+      <p:transition spd="med" p14:dur="700">
+        <p:fade/>
+      </p:transition>
+    </mc:Choice>
+    <mc:Fallback>
+      <p:transition spd="med">
+        <p:fade/>
+      </p:transition>
+    </mc:Fallback>
+  </mc:AlternateContent>
 </p:sld>
 </file>
 
@@ -23671,6 +23731,18 @@
   <p:clrMapOvr>
     <a:masterClrMapping/>
   </p:clrMapOvr>
+  <mc:AlternateContent xmlns:mc="http://schemas.openxmlformats.org/markup-compatibility/2006">
+    <mc:Choice xmlns:p14="http://schemas.microsoft.com/office/powerpoint/2010/main" Requires="p14">
+      <p:transition spd="med" p14:dur="700">
+        <p:fade/>
+      </p:transition>
+    </mc:Choice>
+    <mc:Fallback>
+      <p:transition spd="med">
+        <p:fade/>
+      </p:transition>
+    </mc:Fallback>
+  </mc:AlternateContent>
 </p:sld>
 </file>
 
@@ -23868,6 +23940,18 @@
   <p:clrMapOvr>
     <a:masterClrMapping/>
   </p:clrMapOvr>
+  <mc:AlternateContent xmlns:mc="http://schemas.openxmlformats.org/markup-compatibility/2006">
+    <mc:Choice xmlns:p14="http://schemas.microsoft.com/office/powerpoint/2010/main" Requires="p14">
+      <p:transition spd="med" p14:dur="700">
+        <p:fade/>
+      </p:transition>
+    </mc:Choice>
+    <mc:Fallback>
+      <p:transition spd="med">
+        <p:fade/>
+      </p:transition>
+    </mc:Fallback>
+  </mc:AlternateContent>
 </p:sld>
 </file>
 
@@ -24013,6 +24097,18 @@
   <p:clrMapOvr>
     <a:masterClrMapping/>
   </p:clrMapOvr>
+  <mc:AlternateContent xmlns:mc="http://schemas.openxmlformats.org/markup-compatibility/2006">
+    <mc:Choice xmlns:p14="http://schemas.microsoft.com/office/powerpoint/2010/main" Requires="p14">
+      <p:transition spd="med" p14:dur="700">
+        <p:fade/>
+      </p:transition>
+    </mc:Choice>
+    <mc:Fallback>
+      <p:transition spd="med">
+        <p:fade/>
+      </p:transition>
+    </mc:Fallback>
+  </mc:AlternateContent>
 </p:sld>
 </file>
 
@@ -24255,6 +24351,18 @@
   <p:clrMapOvr>
     <a:masterClrMapping/>
   </p:clrMapOvr>
+  <mc:AlternateContent xmlns:mc="http://schemas.openxmlformats.org/markup-compatibility/2006">
+    <mc:Choice xmlns:p14="http://schemas.microsoft.com/office/powerpoint/2010/main" Requires="p14">
+      <p:transition spd="med" p14:dur="700">
+        <p:fade/>
+      </p:transition>
+    </mc:Choice>
+    <mc:Fallback>
+      <p:transition spd="med">
+        <p:fade/>
+      </p:transition>
+    </mc:Fallback>
+  </mc:AlternateContent>
 </p:sld>
 </file>
 
@@ -24454,6 +24562,18 @@
   <p:clrMapOvr>
     <a:masterClrMapping/>
   </p:clrMapOvr>
+  <mc:AlternateContent xmlns:mc="http://schemas.openxmlformats.org/markup-compatibility/2006">
+    <mc:Choice xmlns:p14="http://schemas.microsoft.com/office/powerpoint/2010/main" Requires="p14">
+      <p:transition spd="med" p14:dur="700">
+        <p:fade/>
+      </p:transition>
+    </mc:Choice>
+    <mc:Fallback>
+      <p:transition spd="med">
+        <p:fade/>
+      </p:transition>
+    </mc:Fallback>
+  </mc:AlternateContent>
 </p:sld>
 </file>
 
@@ -24583,6 +24703,18 @@
   <p:clrMapOvr>
     <a:masterClrMapping/>
   </p:clrMapOvr>
+  <mc:AlternateContent xmlns:mc="http://schemas.openxmlformats.org/markup-compatibility/2006">
+    <mc:Choice xmlns:p14="http://schemas.microsoft.com/office/powerpoint/2010/main" Requires="p14">
+      <p:transition spd="med" p14:dur="700">
+        <p:fade/>
+      </p:transition>
+    </mc:Choice>
+    <mc:Fallback>
+      <p:transition spd="med">
+        <p:fade/>
+      </p:transition>
+    </mc:Fallback>
+  </mc:AlternateContent>
 </p:sld>
 </file>
 
@@ -24773,6 +24905,18 @@
   <p:clrMapOvr>
     <a:masterClrMapping/>
   </p:clrMapOvr>
+  <mc:AlternateContent xmlns:mc="http://schemas.openxmlformats.org/markup-compatibility/2006">
+    <mc:Choice xmlns:p14="http://schemas.microsoft.com/office/powerpoint/2010/main" Requires="p14">
+      <p:transition spd="med" p14:dur="700">
+        <p:fade/>
+      </p:transition>
+    </mc:Choice>
+    <mc:Fallback>
+      <p:transition spd="med">
+        <p:fade/>
+      </p:transition>
+    </mc:Fallback>
+  </mc:AlternateContent>
 </p:sld>
 </file>
 
@@ -24941,6 +25085,18 @@
   <p:clrMapOvr>
     <a:masterClrMapping/>
   </p:clrMapOvr>
+  <mc:AlternateContent xmlns:mc="http://schemas.openxmlformats.org/markup-compatibility/2006">
+    <mc:Choice xmlns:p14="http://schemas.microsoft.com/office/powerpoint/2010/main" Requires="p14">
+      <p:transition spd="med" p14:dur="700">
+        <p:fade/>
+      </p:transition>
+    </mc:Choice>
+    <mc:Fallback>
+      <p:transition spd="med">
+        <p:fade/>
+      </p:transition>
+    </mc:Fallback>
+  </mc:AlternateContent>
 </p:sld>
 </file>
 
@@ -25475,9 +25631,18 @@
   <p:clrMapOvr>
     <a:masterClrMapping/>
   </p:clrMapOvr>
-  <p:transition spd="slow">
-    <p:push dir="u"/>
-  </p:transition>
+  <mc:AlternateContent xmlns:mc="http://schemas.openxmlformats.org/markup-compatibility/2006">
+    <mc:Choice xmlns:p14="http://schemas.microsoft.com/office/powerpoint/2010/main" Requires="p14">
+      <p:transition spd="med" p14:dur="700">
+        <p:fade/>
+      </p:transition>
+    </mc:Choice>
+    <mc:Fallback>
+      <p:transition spd="med">
+        <p:fade/>
+      </p:transition>
+    </mc:Fallback>
+  </mc:AlternateContent>
 </p:sld>
 </file>
 
@@ -26434,6 +26599,18 @@
   <p:clrMapOvr>
     <a:masterClrMapping/>
   </p:clrMapOvr>
+  <mc:AlternateContent xmlns:mc="http://schemas.openxmlformats.org/markup-compatibility/2006">
+    <mc:Choice xmlns:p14="http://schemas.microsoft.com/office/powerpoint/2010/main" Requires="p14">
+      <p:transition spd="med" p14:dur="700">
+        <p:fade/>
+      </p:transition>
+    </mc:Choice>
+    <mc:Fallback>
+      <p:transition spd="med">
+        <p:fade/>
+      </p:transition>
+    </mc:Fallback>
+  </mc:AlternateContent>
 </p:sld>
 </file>
 
@@ -27430,15 +27607,6 @@
 </file>
 
 <file path=customXml/item1.xml><?xml version="1.0" encoding="utf-8"?>
-<?mso-contentType ?>
-<FormTemplates xmlns="http://schemas.microsoft.com/sharepoint/v3/contenttype/forms">
-  <Display>DocumentLibraryForm</Display>
-  <Edit>DocumentLibraryForm</Edit>
-  <New>DocumentLibraryForm</New>
-</FormTemplates>
-</file>
-
-<file path=customXml/item2.xml><?xml version="1.0" encoding="utf-8"?>
 <ct:contentTypeSchema xmlns:ct="http://schemas.microsoft.com/office/2006/metadata/contentType" xmlns:ma="http://schemas.microsoft.com/office/2006/metadata/properties/metaAttributes" ct:_="" ma:_="" ma:contentTypeName="Document" ma:contentTypeID="0x01010079F111ED35F8CC479449609E8A0923A6" ma:contentTypeVersion="28" ma:contentTypeDescription="Create a new document." ma:contentTypeScope="" ma:versionID="60f5a4f2d2b0abadcf532d48ebf9cb71">
   <xsd:schema xmlns:xsd="http://www.w3.org/2001/XMLSchema" xmlns:xs="http://www.w3.org/2001/XMLSchema" xmlns:p="http://schemas.microsoft.com/office/2006/metadata/properties" xmlns:ns1="http://schemas.microsoft.com/sharepoint/v3" xmlns:ns2="71af3243-3dd4-4a8d-8c0d-dd76da1f02a5" xmlns:ns3="16c05727-aa75-4e4a-9b5f-8a80a1165891" xmlns:ns4="230e9df3-be65-4c73-a93b-d1236ebd677e" targetNamespace="http://schemas.microsoft.com/office/2006/metadata/properties" ma:root="true" ma:fieldsID="7dd78129e6a1811f84807ad11c651531" ns1:_="" ns2:_="" ns3:_="" ns4:_="">
     <xsd:import namespace="http://schemas.microsoft.com/sharepoint/v3"/>
@@ -27750,6 +27918,15 @@
 </ct:contentTypeSchema>
 </file>
 
+<file path=customXml/item2.xml><?xml version="1.0" encoding="utf-8"?>
+<?mso-contentType ?>
+<FormTemplates xmlns="http://schemas.microsoft.com/sharepoint/v3/contenttype/forms">
+  <Display>DocumentLibraryForm</Display>
+  <Edit>DocumentLibraryForm</Edit>
+  <New>DocumentLibraryForm</New>
+</FormTemplates>
+</file>
+
 <file path=customXml/item3.xml><?xml version="1.0" encoding="utf-8"?>
 <p:properties xmlns:p="http://schemas.microsoft.com/office/2006/metadata/properties" xmlns:xsi="http://www.w3.org/2001/XMLSchema-instance" xmlns:pc="http://schemas.microsoft.com/office/infopath/2007/PartnerControls">
   <documentManagement>
@@ -27771,14 +27948,6 @@
 </file>
 
 <file path=customXml/itemProps1.xml><?xml version="1.0" encoding="utf-8"?>
-<ds:datastoreItem xmlns:ds="http://schemas.openxmlformats.org/officeDocument/2006/customXml" ds:itemID="{B7B39BD0-040C-43BE-B0E4-512B09E8003F}">
-  <ds:schemaRefs>
-    <ds:schemaRef ds:uri="http://schemas.microsoft.com/sharepoint/v3/contenttype/forms"/>
-  </ds:schemaRefs>
-</ds:datastoreItem>
-</file>
-
-<file path=customXml/itemProps2.xml><?xml version="1.0" encoding="utf-8"?>
 <ds:datastoreItem xmlns:ds="http://schemas.openxmlformats.org/officeDocument/2006/customXml" ds:itemID="{622457D9-12AC-4794-A05E-F1B90FCD8DA7}">
   <ds:schemaRefs>
     <ds:schemaRef ds:uri="http://schemas.microsoft.com/office/2006/metadata/contentType"/>
@@ -27799,6 +27968,14 @@
 </ds:datastoreItem>
 </file>
 
+<file path=customXml/itemProps2.xml><?xml version="1.0" encoding="utf-8"?>
+<ds:datastoreItem xmlns:ds="http://schemas.openxmlformats.org/officeDocument/2006/customXml" ds:itemID="{B7B39BD0-040C-43BE-B0E4-512B09E8003F}">
+  <ds:schemaRefs>
+    <ds:schemaRef ds:uri="http://schemas.microsoft.com/sharepoint/v3/contenttype/forms"/>
+  </ds:schemaRefs>
+</ds:datastoreItem>
+</file>
+
 <file path=customXml/itemProps3.xml><?xml version="1.0" encoding="utf-8"?>
 <ds:datastoreItem xmlns:ds="http://schemas.openxmlformats.org/officeDocument/2006/customXml" ds:itemID="{AB045227-5724-4DBF-9712-031B1BFB2C3C}">
   <ds:schemaRefs>
